--- a/murach_html_4e/slides/Chapter 10 slides (Revised).pptx
+++ b/murach_html_4e/slides/Chapter 10 slides (Revised).pptx
@@ -359,7 +359,7 @@
               <a:pPr>
                 <a:defRPr/>
               </a:pPr>
-              <a:t>7/6/2020</a:t>
+              <a:t>7/7/2020</a:t>
             </a:fld>
             <a:endParaRPr lang="en-US"/>
           </a:p>
@@ -6790,15 +6790,7 @@
                 <a:ea typeface="Times New Roman" panose="02020603050405020304" pitchFamily="18" charset="0"/>
                 <a:cs typeface="Times New Roman" panose="02020603050405020304" pitchFamily="18" charset="0"/>
               </a:rPr>
-              <a:t>  min-height</a:t>
-            </a:r>
-            <a:r>
-              <a:rPr lang="en-US" sz="1600" b="1" dirty="0">
-                <a:latin typeface="Courier New" panose="02070309020205020404" pitchFamily="49" charset="0"/>
-                <a:ea typeface="Times New Roman" panose="02020603050405020304" pitchFamily="18" charset="0"/>
-                <a:cs typeface="Times New Roman" panose="02020603050405020304" pitchFamily="18" charset="0"/>
-              </a:rPr>
-              <a:t>: 40px;</a:t>
+              <a:t>  min-height: 40px;</a:t>
             </a:r>
           </a:p>
           <a:p>
@@ -6819,15 +6811,7 @@
                 <a:ea typeface="Times New Roman" panose="02020603050405020304" pitchFamily="18" charset="0"/>
                 <a:cs typeface="Times New Roman" panose="02020603050405020304" pitchFamily="18" charset="0"/>
               </a:rPr>
-              <a:t>  align-items</a:t>
-            </a:r>
-            <a:r>
-              <a:rPr lang="en-US" sz="1600" b="1" dirty="0">
-                <a:latin typeface="Courier New" panose="02070309020205020404" pitchFamily="49" charset="0"/>
-                <a:ea typeface="Times New Roman" panose="02020603050405020304" pitchFamily="18" charset="0"/>
-                <a:cs typeface="Times New Roman" panose="02020603050405020304" pitchFamily="18" charset="0"/>
-              </a:rPr>
-              <a:t>: center;</a:t>
+              <a:t>  align-items: center;</a:t>
             </a:r>
           </a:p>
           <a:p>
@@ -6848,23 +6832,7 @@
                 <a:ea typeface="Times New Roman" panose="02020603050405020304" pitchFamily="18" charset="0"/>
                 <a:cs typeface="Times New Roman" panose="02020603050405020304" pitchFamily="18" charset="0"/>
               </a:rPr>
-              <a:t>  justify-items</a:t>
-            </a:r>
-            <a:r>
-              <a:rPr lang="en-US" sz="1600" b="1" dirty="0">
-                <a:latin typeface="Courier New" panose="02070309020205020404" pitchFamily="49" charset="0"/>
-                <a:ea typeface="Times New Roman" panose="02020603050405020304" pitchFamily="18" charset="0"/>
-                <a:cs typeface="Times New Roman" panose="02020603050405020304" pitchFamily="18" charset="0"/>
-              </a:rPr>
-              <a:t>: center</a:t>
-            </a:r>
-            <a:r>
-              <a:rPr lang="en-US" sz="1600" b="1">
-                <a:latin typeface="Courier New" panose="02070309020205020404" pitchFamily="49" charset="0"/>
-                <a:ea typeface="Times New Roman" panose="02020603050405020304" pitchFamily="18" charset="0"/>
-                <a:cs typeface="Times New Roman" panose="02020603050405020304" pitchFamily="18" charset="0"/>
-              </a:rPr>
-              <a:t>; </a:t>
+              <a:t>  justify-items: center; </a:t>
             </a:r>
           </a:p>
           <a:p>
@@ -12315,7 +12283,7 @@
           <a:p>
             <a:r>
               <a:rPr lang="en-US" sz="2000" b="1"/>
-              <a:t>with template names</a:t>
+              <a:t>with template areas</a:t>
             </a:r>
           </a:p>
           <a:p>
@@ -12579,7 +12547,7 @@
         </p:blipFill>
         <p:spPr>
           <a:xfrm>
-            <a:off x="914400" y="1066800"/>
+            <a:off x="2057400" y="1143000"/>
             <a:ext cx="4859999" cy="4800600"/>
           </a:xfrm>
           <a:prstGeom prst="rect">
